--- a/Explicaciones.pptx
+++ b/Explicaciones.pptx
@@ -220,7 +220,7 @@
           <a:p>
             <a:fld id="{73F4B56E-7711-482E-ACF9-81E69EA3244D}" type="datetimeFigureOut">
               <a:rPr lang="es-AR" smtClean="0"/>
-              <a:t>20/8/2020</a:t>
+              <a:t>27/8/2020</a:t>
             </a:fld>
             <a:endParaRPr lang="es-AR"/>
           </a:p>
@@ -386,7 +386,7 @@
           <a:p>
             <a:fld id="{51A9D027-61FC-404E-B044-93D52216C08D}" type="datetimeFigureOut">
               <a:rPr lang="es-AR" smtClean="0"/>
-              <a:t>20/8/2020</a:t>
+              <a:t>27/8/2020</a:t>
             </a:fld>
             <a:endParaRPr lang="es-AR"/>
           </a:p>
@@ -786,7 +786,7 @@
           <a:p>
             <a:fld id="{68B2EDA1-1C59-4A66-BE33-E1BA634E5330}" type="datetime1">
               <a:rPr lang="es-AR" smtClean="0"/>
-              <a:t>20/8/2020</a:t>
+              <a:t>27/8/2020</a:t>
             </a:fld>
             <a:endParaRPr lang="es-AR"/>
           </a:p>
@@ -956,7 +956,7 @@
           <a:p>
             <a:fld id="{2B4CF12F-13D9-475A-830F-EB33F8C4903B}" type="datetime1">
               <a:rPr lang="es-AR" smtClean="0"/>
-              <a:t>20/8/2020</a:t>
+              <a:t>27/8/2020</a:t>
             </a:fld>
             <a:endParaRPr lang="es-AR"/>
           </a:p>
@@ -1136,7 +1136,7 @@
           <a:p>
             <a:fld id="{5DF877C8-2E4A-4C28-8349-A4699BA7B211}" type="datetime1">
               <a:rPr lang="es-AR" smtClean="0"/>
-              <a:t>20/8/2020</a:t>
+              <a:t>27/8/2020</a:t>
             </a:fld>
             <a:endParaRPr lang="es-AR"/>
           </a:p>
@@ -1306,7 +1306,7 @@
           <a:p>
             <a:fld id="{15F74AFA-561A-4595-A212-4439C4D8339E}" type="datetime1">
               <a:rPr lang="es-AR" smtClean="0"/>
-              <a:t>20/8/2020</a:t>
+              <a:t>27/8/2020</a:t>
             </a:fld>
             <a:endParaRPr lang="es-AR"/>
           </a:p>
@@ -1552,7 +1552,7 @@
           <a:p>
             <a:fld id="{26646501-08FC-4D88-BD87-E9FEC00D5458}" type="datetime1">
               <a:rPr lang="es-AR" smtClean="0"/>
-              <a:t>20/8/2020</a:t>
+              <a:t>27/8/2020</a:t>
             </a:fld>
             <a:endParaRPr lang="es-AR"/>
           </a:p>
@@ -1784,7 +1784,7 @@
           <a:p>
             <a:fld id="{6D3B0F75-F23F-419A-8EF6-B032C0932763}" type="datetime1">
               <a:rPr lang="es-AR" smtClean="0"/>
-              <a:t>20/8/2020</a:t>
+              <a:t>27/8/2020</a:t>
             </a:fld>
             <a:endParaRPr lang="es-AR"/>
           </a:p>
@@ -2151,7 +2151,7 @@
           <a:p>
             <a:fld id="{D6CD12B4-B2CE-4BF6-AF20-C51EADBF7CD8}" type="datetime1">
               <a:rPr lang="es-AR" smtClean="0"/>
-              <a:t>20/8/2020</a:t>
+              <a:t>27/8/2020</a:t>
             </a:fld>
             <a:endParaRPr lang="es-AR"/>
           </a:p>
@@ -2269,7 +2269,7 @@
           <a:p>
             <a:fld id="{ACF45EAD-7427-4DE5-A290-FF2F78E9ED64}" type="datetime1">
               <a:rPr lang="es-AR" smtClean="0"/>
-              <a:t>20/8/2020</a:t>
+              <a:t>27/8/2020</a:t>
             </a:fld>
             <a:endParaRPr lang="es-AR"/>
           </a:p>
@@ -2364,7 +2364,7 @@
           <a:p>
             <a:fld id="{01DF65B0-44FD-4E60-8A4E-E718A6D943B2}" type="datetime1">
               <a:rPr lang="es-AR" smtClean="0"/>
-              <a:t>20/8/2020</a:t>
+              <a:t>27/8/2020</a:t>
             </a:fld>
             <a:endParaRPr lang="es-AR"/>
           </a:p>
@@ -2641,7 +2641,7 @@
           <a:p>
             <a:fld id="{563798FC-AB04-4558-B8E5-A216BDE41E1E}" type="datetime1">
               <a:rPr lang="es-AR" smtClean="0"/>
-              <a:t>20/8/2020</a:t>
+              <a:t>27/8/2020</a:t>
             </a:fld>
             <a:endParaRPr lang="es-AR"/>
           </a:p>
@@ -2898,7 +2898,7 @@
           <a:p>
             <a:fld id="{F89F3037-E689-4A94-82C0-6D933A7329CD}" type="datetime1">
               <a:rPr lang="es-AR" smtClean="0"/>
-              <a:t>20/8/2020</a:t>
+              <a:t>27/8/2020</a:t>
             </a:fld>
             <a:endParaRPr lang="es-AR"/>
           </a:p>
@@ -3111,7 +3111,7 @@
           <a:p>
             <a:fld id="{3DB29626-F69A-4F2D-A9EA-F8251AFFAEF3}" type="datetime1">
               <a:rPr lang="es-AR" smtClean="0"/>
-              <a:t>20/8/2020</a:t>
+              <a:t>27/8/2020</a:t>
             </a:fld>
             <a:endParaRPr lang="es-AR"/>
           </a:p>
@@ -9760,20 +9760,16 @@
               <a:t> </a:t>
             </a:r>
             <a:r>
-              <a:rPr lang="es-AR" sz="2400" dirty="0" err="1" smtClean="0"/>
+              <a:rPr lang="es-AR" sz="2400" dirty="0" err="1"/>
+              <a:t>entry</a:t>
+            </a:r>
+            <a:r>
+              <a:rPr lang="es-AR" sz="2400" dirty="0"/>
+              <a:t> </a:t>
+            </a:r>
+            <a:r>
+              <a:rPr lang="es-AR" sz="2400" dirty="0" err="1"/>
               <a:t>system</a:t>
-            </a:r>
-            <a:r>
-              <a:rPr lang="es-AR" sz="2400" dirty="0" smtClean="0"/>
-              <a:t> of </a:t>
-            </a:r>
-            <a:r>
-              <a:rPr lang="es-AR" sz="2400" dirty="0" err="1" smtClean="0"/>
-              <a:t>entry</a:t>
-            </a:r>
-            <a:r>
-              <a:rPr lang="es-AR" sz="2400" dirty="0" smtClean="0"/>
-              <a:t> </a:t>
             </a:r>
             <a:endParaRPr lang="es-AR" sz="2400" dirty="0"/>
           </a:p>
